--- a/Documents/Weekly Production Logs/Fermata_ProductionLog_milestones.pptx
+++ b/Documents/Weekly Production Logs/Fermata_ProductionLog_milestones.pptx
@@ -5437,14 +5437,14 @@
             <p:ph idx="1"/>
             <p:extLst>
               <p:ext uri="{D42A27DB-BD31-4B8C-83A1-F6EECF244321}">
-                <p14:modId xmlns:p14="http://schemas.microsoft.com/office/powerpoint/2010/main" val="773650824"/>
+                <p14:modId xmlns:p14="http://schemas.microsoft.com/office/powerpoint/2010/main" val="398620004"/>
               </p:ext>
             </p:extLst>
           </p:nvPr>
         </p:nvGraphicFramePr>
         <p:xfrm>
           <a:off x="1206409" y="2276551"/>
-          <a:ext cx="9780588" cy="2565210"/>
+          <a:ext cx="9780588" cy="2966568"/>
         </p:xfrm>
         <a:graphic>
           <a:graphicData uri="http://schemas.openxmlformats.org/drawingml/2006/table">
@@ -5553,7 +5553,10 @@
                     <a:bodyPr/>
                     <a:lstStyle/>
                     <a:p>
-                      <a:endParaRPr lang="en-US" dirty="0"/>
+                      <a:r>
+                        <a:rPr lang="en-US" dirty="0"/>
+                        <a:t>Get more player feedback to balance better. Spawn rates seem unbalanced.</a:t>
+                      </a:r>
                     </a:p>
                   </a:txBody>
                   <a:tcPr/>
@@ -5583,10 +5586,6 @@
                     <a:bodyPr/>
                     <a:lstStyle/>
                     <a:p>
-                      <a:r>
-                        <a:rPr lang="en-US" dirty="0" err="1"/>
-                        <a:t>Acheivements</a:t>
-                      </a:r>
                       <a:endParaRPr lang="en-US" dirty="0"/>
                     </a:p>
                   </a:txBody>
@@ -5597,7 +5596,10 @@
                     <a:bodyPr/>
                     <a:lstStyle/>
                     <a:p>
-                      <a:endParaRPr lang="en-US" dirty="0"/>
+                      <a:r>
+                        <a:rPr lang="en-US" dirty="0"/>
+                        <a:t>UI is clearer! Cleaner.</a:t>
+                      </a:r>
                     </a:p>
                   </a:txBody>
                   <a:tcPr/>
@@ -5637,7 +5639,10 @@
                     <a:bodyPr/>
                     <a:lstStyle/>
                     <a:p>
-                      <a:endParaRPr lang="en-US" dirty="0"/>
+                      <a:r>
+                        <a:rPr lang="en-US" dirty="0"/>
+                        <a:t>Clean. Animations work well.</a:t>
+                      </a:r>
                     </a:p>
                   </a:txBody>
                   <a:tcPr/>
@@ -5669,18 +5674,21 @@
                     <a:p>
                       <a:r>
                         <a:rPr lang="en-US" dirty="0"/>
-                        <a:t>Dragon Roar, Dash</a:t>
-                      </a:r>
-                    </a:p>
-                  </a:txBody>
-                  <a:tcPr/>
-                </a:tc>
-                <a:tc>
-                  <a:txBody>
-                    <a:bodyPr/>
-                    <a:lstStyle/>
-                    <a:p>
-                      <a:endParaRPr lang="en-US" dirty="0"/>
+                        <a:t>Dragon Roar, Dash sound effect</a:t>
+                      </a:r>
+                    </a:p>
+                  </a:txBody>
+                  <a:tcPr/>
+                </a:tc>
+                <a:tc>
+                  <a:txBody>
+                    <a:bodyPr/>
+                    <a:lstStyle/>
+                    <a:p>
+                      <a:r>
+                        <a:rPr lang="en-US" dirty="0"/>
+                        <a:t>Clean up attack sound</a:t>
+                      </a:r>
                     </a:p>
                   </a:txBody>
                   <a:tcPr/>
@@ -5707,7 +5715,7 @@
         </p:nvSpPr>
         <p:spPr>
           <a:xfrm>
-            <a:off x="1201512" y="5065065"/>
+            <a:off x="1202919" y="5585183"/>
             <a:ext cx="9784079" cy="808432"/>
           </a:xfrm>
         </p:spPr>
@@ -5717,8 +5725,13 @@
           <a:p>
             <a:r>
               <a:rPr lang="en-AU" b="1" dirty="0"/>
-              <a:t>Planned response to feedback for the end:</a:t>
-            </a:r>
+              <a:t>Planned response to feedback for the end: In class or at event, have more people play the game to provide feedback on balance, refine sounds, add sounds that </a:t>
+            </a:r>
+            <a:r>
+              <a:rPr lang="en-AU" b="1"/>
+              <a:t>are missing.</a:t>
+            </a:r>
+            <a:endParaRPr lang="en-AU" b="1" dirty="0"/>
           </a:p>
         </p:txBody>
       </p:sp>
